--- a/README.pptx
+++ b/README.pptx
@@ -3464,7 +3464,7 @@
         </p:nvSpPr>
         <p:spPr>
           <a:xfrm>
-            <a:off x="467544" y="1988840"/>
+            <a:off x="539552" y="1916832"/>
             <a:ext cx="1728978" cy="276999"/>
           </a:xfrm>
           <a:prstGeom prst="rect">
@@ -3999,8 +3999,8 @@
         </p:nvCxnSpPr>
         <p:spPr>
           <a:xfrm>
-            <a:off x="2196522" y="2127340"/>
-            <a:ext cx="1655398" cy="2160240"/>
+            <a:off x="2268530" y="2055332"/>
+            <a:ext cx="1583390" cy="2232248"/>
           </a:xfrm>
           <a:prstGeom prst="straightConnector1">
             <a:avLst/>
@@ -4034,9 +4034,9 @@
           <p:nvPr/>
         </p:nvCxnSpPr>
         <p:spPr>
-          <a:xfrm flipV="1">
-            <a:off x="2196522" y="2055332"/>
-            <a:ext cx="3887646" cy="72008"/>
+          <a:xfrm>
+            <a:off x="2268530" y="2055332"/>
+            <a:ext cx="3815638" cy="0"/>
           </a:xfrm>
           <a:prstGeom prst="straightConnector1">
             <a:avLst/>
@@ -4381,6 +4381,37 @@
               <a:t>Aplicaciones ejecutables</a:t>
             </a:r>
             <a:endParaRPr lang="es-ES" sz="1200" dirty="0"/>
+          </a:p>
+        </p:txBody>
+      </p:sp>
+      <p:sp>
+        <p:nvSpPr>
+          <p:cNvPr id="38" name="37 Rectángulo"/>
+          <p:cNvSpPr/>
+          <p:nvPr/>
+        </p:nvSpPr>
+        <p:spPr>
+          <a:xfrm>
+            <a:off x="323528" y="6596390"/>
+            <a:ext cx="5238328" cy="261610"/>
+          </a:xfrm>
+          <a:prstGeom prst="rect">
+            <a:avLst/>
+          </a:prstGeom>
+        </p:spPr>
+        <p:txBody>
+          <a:bodyPr wrap="square">
+            <a:spAutoFit/>
+          </a:bodyPr>
+          <a:lstStyle/>
+          <a:p>
+            <a:r>
+              <a:rPr lang="es-ES" sz="1100" dirty="0" smtClean="0">
+                <a:hlinkClick r:id="rId2"/>
+              </a:rPr>
+              <a:t>https://github.com/alvarogonzalezsotillo/Bongard</a:t>
+            </a:r>
+            <a:endParaRPr lang="es-ES" sz="1100" dirty="0"/>
           </a:p>
         </p:txBody>
       </p:sp>
